--- a/GuestConfigviaDSC.pptx
+++ b/GuestConfigviaDSC.pptx
@@ -9,7 +9,8 @@
     <p:sldId id="258" r:id="rId3"/>
     <p:sldId id="257" r:id="rId4"/>
     <p:sldId id="259" r:id="rId5"/>
-    <p:sldId id="260" r:id="rId6"/>
+    <p:sldId id="261" r:id="rId6"/>
+    <p:sldId id="260" r:id="rId7"/>
   </p:sldIdLst>
   <p:sldSz cx="12192000" cy="6858000"/>
   <p:notesSz cx="6858000" cy="9144000"/>
@@ -119,6 +120,7 @@
 <file path=ppt/revisionInfo.xml><?xml version="1.0" encoding="utf-8"?>
 <p1510:revInfo xmlns:a="http://schemas.openxmlformats.org/drawingml/2006/main" xmlns:r="http://schemas.openxmlformats.org/officeDocument/2006/relationships" xmlns:p1510="http://schemas.microsoft.com/office/powerpoint/2015/10/main">
   <p1510:revLst>
+    <p1510:client id="{BF0314E7-08DB-48B4-4BDE-576F9F968904}" v="20" dt="2022-02-15T02:17:46.507"/>
     <p1510:client id="{CC01899C-068F-483C-8E64-750754EB3353}" v="248" dt="2022-02-09T18:59:41.611"/>
     <p1510:client id="{DC0405C5-E335-AE80-E5DD-3493A8AC08DF}" v="136" dt="2022-02-11T18:55:44.188"/>
   </p1510:revLst>
@@ -256,7 +258,7 @@
           <a:p>
             <a:fld id="{846CE7D5-CF57-46EF-B807-FDD0502418D4}" type="datetimeFigureOut">
               <a:rPr lang="en-US" smtClean="0"/>
-              <a:t>2/11/2022</a:t>
+              <a:t>2/14/2022</a:t>
             </a:fld>
             <a:endParaRPr lang="en-US"/>
           </a:p>
@@ -426,7 +428,7 @@
           <a:p>
             <a:fld id="{846CE7D5-CF57-46EF-B807-FDD0502418D4}" type="datetimeFigureOut">
               <a:rPr lang="en-US" smtClean="0"/>
-              <a:t>2/11/2022</a:t>
+              <a:t>2/14/2022</a:t>
             </a:fld>
             <a:endParaRPr lang="en-US"/>
           </a:p>
@@ -606,7 +608,7 @@
           <a:p>
             <a:fld id="{846CE7D5-CF57-46EF-B807-FDD0502418D4}" type="datetimeFigureOut">
               <a:rPr lang="en-US" smtClean="0"/>
-              <a:t>2/11/2022</a:t>
+              <a:t>2/14/2022</a:t>
             </a:fld>
             <a:endParaRPr lang="en-US"/>
           </a:p>
@@ -776,7 +778,7 @@
           <a:p>
             <a:fld id="{846CE7D5-CF57-46EF-B807-FDD0502418D4}" type="datetimeFigureOut">
               <a:rPr lang="en-US" smtClean="0"/>
-              <a:t>2/11/2022</a:t>
+              <a:t>2/14/2022</a:t>
             </a:fld>
             <a:endParaRPr lang="en-US"/>
           </a:p>
@@ -1022,7 +1024,7 @@
           <a:p>
             <a:fld id="{846CE7D5-CF57-46EF-B807-FDD0502418D4}" type="datetimeFigureOut">
               <a:rPr lang="en-US" smtClean="0"/>
-              <a:t>2/11/2022</a:t>
+              <a:t>2/14/2022</a:t>
             </a:fld>
             <a:endParaRPr lang="en-US"/>
           </a:p>
@@ -1254,7 +1256,7 @@
           <a:p>
             <a:fld id="{846CE7D5-CF57-46EF-B807-FDD0502418D4}" type="datetimeFigureOut">
               <a:rPr lang="en-US" smtClean="0"/>
-              <a:t>2/11/2022</a:t>
+              <a:t>2/14/2022</a:t>
             </a:fld>
             <a:endParaRPr lang="en-US"/>
           </a:p>
@@ -1621,7 +1623,7 @@
           <a:p>
             <a:fld id="{846CE7D5-CF57-46EF-B807-FDD0502418D4}" type="datetimeFigureOut">
               <a:rPr lang="en-US" smtClean="0"/>
-              <a:t>2/11/2022</a:t>
+              <a:t>2/14/2022</a:t>
             </a:fld>
             <a:endParaRPr lang="en-US"/>
           </a:p>
@@ -1739,7 +1741,7 @@
           <a:p>
             <a:fld id="{846CE7D5-CF57-46EF-B807-FDD0502418D4}" type="datetimeFigureOut">
               <a:rPr lang="en-US" smtClean="0"/>
-              <a:t>2/11/2022</a:t>
+              <a:t>2/14/2022</a:t>
             </a:fld>
             <a:endParaRPr lang="en-US"/>
           </a:p>
@@ -1834,7 +1836,7 @@
           <a:p>
             <a:fld id="{846CE7D5-CF57-46EF-B807-FDD0502418D4}" type="datetimeFigureOut">
               <a:rPr lang="en-US" smtClean="0"/>
-              <a:t>2/11/2022</a:t>
+              <a:t>2/14/2022</a:t>
             </a:fld>
             <a:endParaRPr lang="en-US"/>
           </a:p>
@@ -2111,7 +2113,7 @@
           <a:p>
             <a:fld id="{846CE7D5-CF57-46EF-B807-FDD0502418D4}" type="datetimeFigureOut">
               <a:rPr lang="en-US" smtClean="0"/>
-              <a:t>2/11/2022</a:t>
+              <a:t>2/14/2022</a:t>
             </a:fld>
             <a:endParaRPr lang="en-US"/>
           </a:p>
@@ -2368,7 +2370,7 @@
           <a:p>
             <a:fld id="{846CE7D5-CF57-46EF-B807-FDD0502418D4}" type="datetimeFigureOut">
               <a:rPr lang="en-US" smtClean="0"/>
-              <a:t>2/11/2022</a:t>
+              <a:t>2/14/2022</a:t>
             </a:fld>
             <a:endParaRPr lang="en-US"/>
           </a:p>
@@ -2581,7 +2583,7 @@
           <a:p>
             <a:fld id="{846CE7D5-CF57-46EF-B807-FDD0502418D4}" type="datetimeFigureOut">
               <a:rPr lang="en-US" smtClean="0"/>
-              <a:t>2/11/2022</a:t>
+              <a:t>2/14/2022</a:t>
             </a:fld>
             <a:endParaRPr lang="en-US"/>
           </a:p>
@@ -4518,14 +4520,28 @@
           <a:p>
             <a:pPr algn="ctr"/>
             <a:r>
-              <a:rPr lang="en-US" sz="600">
-                <a:ea typeface="+mn-lt"/>
-                <a:cs typeface="+mn-lt"/>
-              </a:rPr>
-              <a:t>  -ContentUri '</a:t>
-            </a:r>
-            <a:r>
-              <a:rPr lang="en-US" sz="600">
+              <a:rPr lang="en-US" sz="600" dirty="0">
+                <a:ea typeface="+mn-lt"/>
+                <a:cs typeface="+mn-lt"/>
+              </a:rPr>
+              <a:t>  -</a:t>
+            </a:r>
+            <a:r>
+              <a:rPr lang="en-US" sz="600" dirty="0" err="1">
+                <a:ea typeface="+mn-lt"/>
+                <a:cs typeface="+mn-lt"/>
+              </a:rPr>
+              <a:t>ContentUri</a:t>
+            </a:r>
+            <a:r>
+              <a:rPr lang="en-US" sz="600" dirty="0">
+                <a:ea typeface="+mn-lt"/>
+                <a:cs typeface="+mn-lt"/>
+              </a:rPr>
+              <a:t> '</a:t>
+            </a:r>
+            <a:r>
+              <a:rPr lang="en-US" sz="600" dirty="0">
                 <a:ea typeface="+mn-lt"/>
                 <a:cs typeface="+mn-lt"/>
                 <a:hlinkClick r:id="rId2"/>
@@ -4533,13 +4549,13 @@
               <a:t>https://somestorage.blob.core.windows.net/guestconfiguration/WindowsNessusAgentService.zip?sv=2020-08-04&amp;st=2022-02-09T16%3A18%3A02Z&amp;se=2025-02-09T16%3A18%3A02Z&amp;sr=b&amp;sp=rl&amp;sig</a:t>
             </a:r>
             <a:r>
-              <a:rPr lang="en-US" sz="600">
+              <a:rPr lang="en-US" sz="600" dirty="0">
                 <a:ea typeface="+mn-lt"/>
                 <a:cs typeface="+mn-lt"/>
               </a:rPr>
               <a:t> `</a:t>
             </a:r>
-            <a:endParaRPr lang="en-US" sz="600">
+            <a:endParaRPr lang="en-US" sz="600" dirty="0">
               <a:cs typeface="Calibri"/>
             </a:endParaRPr>
           </a:p>
@@ -4550,27 +4566,20 @@
                 <a:ea typeface="+mn-lt"/>
                 <a:cs typeface="+mn-lt"/>
               </a:rPr>
-              <a:t>  -DisplayName 'Windows Trend Micro Apex One Agent Service.' `</a:t>
-            </a:r>
-            <a:endParaRPr lang="en-US" sz="600">
+              <a:t>  -DisplayName 'Windows Nessus Agent Service.' `</a:t>
+            </a:r>
+            <a:endParaRPr lang="en-US" sz="600" dirty="0">
               <a:cs typeface="Calibri"/>
             </a:endParaRPr>
           </a:p>
           <a:p>
             <a:pPr algn="ctr"/>
             <a:r>
-              <a:rPr lang="en-US" sz="600">
-                <a:ea typeface="+mn-lt"/>
-                <a:cs typeface="+mn-lt"/>
-              </a:rPr>
-              <a:t>  -Description 'Compliance check for Windows Nessus Agent Service. Ensure it is present on VM, Startup set to </a:t>
-            </a:r>
-            <a:r>
               <a:rPr lang="en-US" sz="600" dirty="0">
                 <a:ea typeface="+mn-lt"/>
                 <a:cs typeface="+mn-lt"/>
               </a:rPr>
-              <a:t>Automatic and Status is Running' `</a:t>
+              <a:t>  -Description 'Compliance check for Windows Nessus Agent Service. Ensure it is present on VM, Startup set to Automatic and Status is Running' `</a:t>
             </a:r>
             <a:endParaRPr lang="en-US" sz="600">
               <a:cs typeface="Calibri"/>
@@ -4878,8 +4887,8 @@
         </p:blipFill>
         <p:spPr>
           <a:xfrm>
-            <a:off x="8286750" y="-1469"/>
-            <a:ext cx="3905250" cy="2155588"/>
+            <a:off x="7438160" y="-1469"/>
+            <a:ext cx="4753840" cy="2623178"/>
           </a:xfrm>
           <a:prstGeom prst="rect">
             <a:avLst/>
@@ -4900,6 +4909,324 @@
 </file>
 
 <file path=ppt/slides/slide5.xml><?xml version="1.0" encoding="utf-8"?>
+<p:sld xmlns:a="http://schemas.openxmlformats.org/drawingml/2006/main" xmlns:r="http://schemas.openxmlformats.org/officeDocument/2006/relationships" xmlns:p="http://schemas.openxmlformats.org/presentationml/2006/main">
+  <p:cSld>
+    <p:spTree>
+      <p:nvGrpSpPr>
+        <p:cNvPr id="1" name=""/>
+        <p:cNvGrpSpPr/>
+        <p:nvPr/>
+      </p:nvGrpSpPr>
+      <p:grpSpPr>
+        <a:xfrm>
+          <a:off x="0" y="0"/>
+          <a:ext cx="0" cy="0"/>
+          <a:chOff x="0" y="0"/>
+          <a:chExt cx="0" cy="0"/>
+        </a:xfrm>
+      </p:grpSpPr>
+      <p:sp>
+        <p:nvSpPr>
+          <p:cNvPr id="2" name="Title 1">
+            <a:extLst>
+              <a:ext uri="{FF2B5EF4-FFF2-40B4-BE49-F238E27FC236}">
+                <a16:creationId xmlns:a16="http://schemas.microsoft.com/office/drawing/2014/main" id="{7EF8FCF3-9120-4069-A484-1ED9EDAF6705}"/>
+              </a:ext>
+            </a:extLst>
+          </p:cNvPr>
+          <p:cNvSpPr>
+            <a:spLocks noGrp="1"/>
+          </p:cNvSpPr>
+          <p:nvPr>
+            <p:ph type="title"/>
+          </p:nvPr>
+        </p:nvSpPr>
+        <p:spPr/>
+        <p:txBody>
+          <a:bodyPr/>
+          <a:lstStyle/>
+          <a:p>
+            <a:endParaRPr lang="en-US"/>
+          </a:p>
+        </p:txBody>
+      </p:sp>
+      <p:sp>
+        <p:nvSpPr>
+          <p:cNvPr id="5" name="Rectangle 4">
+            <a:extLst>
+              <a:ext uri="{FF2B5EF4-FFF2-40B4-BE49-F238E27FC236}">
+                <a16:creationId xmlns:a16="http://schemas.microsoft.com/office/drawing/2014/main" id="{20D3AD4B-9D16-4F02-A346-347B2E29CE6C}"/>
+              </a:ext>
+            </a:extLst>
+          </p:cNvPr>
+          <p:cNvSpPr/>
+          <p:nvPr/>
+        </p:nvSpPr>
+        <p:spPr>
+          <a:xfrm>
+            <a:off x="-1859" y="2297445"/>
+            <a:ext cx="12191999" cy="3543890"/>
+          </a:xfrm>
+          <a:prstGeom prst="rect">
+            <a:avLst/>
+          </a:prstGeom>
+          <a:solidFill>
+            <a:schemeClr val="accent1">
+              <a:lumMod val="75000"/>
+            </a:schemeClr>
+          </a:solidFill>
+          <a:ln>
+            <a:noFill/>
+          </a:ln>
+        </p:spPr>
+        <p:style>
+          <a:lnRef idx="2">
+            <a:schemeClr val="accent1">
+              <a:shade val="50000"/>
+            </a:schemeClr>
+          </a:lnRef>
+          <a:fillRef idx="1">
+            <a:schemeClr val="accent1"/>
+          </a:fillRef>
+          <a:effectRef idx="0">
+            <a:schemeClr val="accent1"/>
+          </a:effectRef>
+          <a:fontRef idx="minor">
+            <a:schemeClr val="lt1"/>
+          </a:fontRef>
+        </p:style>
+        <p:txBody>
+          <a:bodyPr lIns="91440" tIns="45720" rIns="91440" bIns="45720" rtlCol="0" anchor="ctr"/>
+          <a:lstStyle/>
+          <a:p>
+            <a:pPr algn="ctr"/>
+            <a:r>
+              <a:rPr lang="en-US" sz="1600" dirty="0">
+                <a:ea typeface="+mn-lt"/>
+                <a:cs typeface="+mn-lt"/>
+              </a:rPr>
+              <a:t>New-</a:t>
+            </a:r>
+            <a:r>
+              <a:rPr lang="en-US" sz="1600" dirty="0" err="1">
+                <a:ea typeface="+mn-lt"/>
+                <a:cs typeface="+mn-lt"/>
+              </a:rPr>
+              <a:t>GuestConfigurationPolicy</a:t>
+            </a:r>
+            <a:r>
+              <a:rPr lang="en-US" sz="1600" dirty="0">
+                <a:ea typeface="+mn-lt"/>
+                <a:cs typeface="+mn-lt"/>
+              </a:rPr>
+              <a:t> `</a:t>
+            </a:r>
+            <a:endParaRPr lang="en-US" sz="1600">
+              <a:cs typeface="Calibri"/>
+            </a:endParaRPr>
+          </a:p>
+          <a:p>
+            <a:pPr algn="ctr"/>
+            <a:r>
+              <a:rPr lang="en-US" sz="1600" dirty="0">
+                <a:ea typeface="+mn-lt"/>
+                <a:cs typeface="+mn-lt"/>
+              </a:rPr>
+              <a:t>  -</a:t>
+            </a:r>
+            <a:r>
+              <a:rPr lang="en-US" sz="1600" dirty="0" err="1">
+                <a:ea typeface="+mn-lt"/>
+                <a:cs typeface="+mn-lt"/>
+              </a:rPr>
+              <a:t>PolicyId</a:t>
+            </a:r>
+            <a:r>
+              <a:rPr lang="en-US" sz="1600" dirty="0">
+                <a:ea typeface="+mn-lt"/>
+                <a:cs typeface="+mn-lt"/>
+              </a:rPr>
+              <a:t> '7213d788-9e67-4807-9f09-1cd9ddab2581' `</a:t>
+            </a:r>
+            <a:endParaRPr lang="en-US" sz="1600">
+              <a:cs typeface="Calibri"/>
+            </a:endParaRPr>
+          </a:p>
+          <a:p>
+            <a:pPr algn="ctr"/>
+            <a:r>
+              <a:rPr lang="en-US" sz="1600" dirty="0">
+                <a:ea typeface="+mn-lt"/>
+                <a:cs typeface="+mn-lt"/>
+              </a:rPr>
+              <a:t>  -</a:t>
+            </a:r>
+            <a:r>
+              <a:rPr lang="en-US" sz="1600" dirty="0" err="1">
+                <a:ea typeface="+mn-lt"/>
+                <a:cs typeface="+mn-lt"/>
+              </a:rPr>
+              <a:t>ContentUri</a:t>
+            </a:r>
+            <a:r>
+              <a:rPr lang="en-US" sz="1600" dirty="0">
+                <a:ea typeface="+mn-lt"/>
+                <a:cs typeface="+mn-lt"/>
+              </a:rPr>
+              <a:t> '</a:t>
+            </a:r>
+            <a:r>
+              <a:rPr lang="en-US" sz="1600" dirty="0">
+                <a:highlight>
+                  <a:srgbClr val="C0C0C0"/>
+                </a:highlight>
+                <a:ea typeface="+mn-lt"/>
+                <a:cs typeface="+mn-lt"/>
+                <a:hlinkClick r:id="rId2"/>
+              </a:rPr>
+              <a:t>https://somestorage.blob.core.windows.net/guestconfiguration/WindowsNessusAgentService.zip?sv=2020-08-04&amp;st=2022-02-09T16%3A18%3A02Z&amp;se=2025-02-09T16%3A18%3A02Z&amp;sr=b&amp;sp=rl&amp;sig</a:t>
+            </a:r>
+            <a:r>
+              <a:rPr lang="en-US" sz="1600" dirty="0">
+                <a:ea typeface="+mn-lt"/>
+                <a:cs typeface="+mn-lt"/>
+              </a:rPr>
+              <a:t> `</a:t>
+            </a:r>
+            <a:endParaRPr lang="en-US" sz="1600" dirty="0">
+              <a:cs typeface="Calibri"/>
+            </a:endParaRPr>
+          </a:p>
+          <a:p>
+            <a:pPr algn="ctr"/>
+            <a:r>
+              <a:rPr lang="en-US" sz="1600" dirty="0">
+                <a:ea typeface="+mn-lt"/>
+                <a:cs typeface="+mn-lt"/>
+              </a:rPr>
+              <a:t>  -DisplayName 'Windows Nessus Agent Service.' `</a:t>
+            </a:r>
+            <a:endParaRPr lang="en-US" sz="1600" dirty="0">
+              <a:cs typeface="Calibri"/>
+            </a:endParaRPr>
+          </a:p>
+          <a:p>
+            <a:pPr algn="ctr"/>
+            <a:r>
+              <a:rPr lang="en-US" sz="1600" dirty="0">
+                <a:ea typeface="+mn-lt"/>
+                <a:cs typeface="+mn-lt"/>
+              </a:rPr>
+              <a:t>  -Description 'Compliance check for Windows Nessus Agent Service. Ensure it is present on VM, Startup set to Automatic and Status is Running' `</a:t>
+            </a:r>
+            <a:endParaRPr lang="en-US" sz="1600">
+              <a:cs typeface="Calibri"/>
+            </a:endParaRPr>
+          </a:p>
+          <a:p>
+            <a:pPr algn="ctr"/>
+            <a:r>
+              <a:rPr lang="en-US" sz="1600" dirty="0">
+                <a:ea typeface="+mn-lt"/>
+                <a:cs typeface="+mn-lt"/>
+              </a:rPr>
+              <a:t>  -Path './policies' `</a:t>
+            </a:r>
+            <a:endParaRPr lang="en-US" sz="1600">
+              <a:cs typeface="Calibri"/>
+            </a:endParaRPr>
+          </a:p>
+          <a:p>
+            <a:pPr algn="ctr"/>
+            <a:r>
+              <a:rPr lang="en-US" sz="1600" dirty="0">
+                <a:ea typeface="+mn-lt"/>
+                <a:cs typeface="+mn-lt"/>
+              </a:rPr>
+              <a:t>  -Platform 'Windows' `</a:t>
+            </a:r>
+            <a:endParaRPr lang="en-US" sz="1600">
+              <a:cs typeface="Calibri"/>
+            </a:endParaRPr>
+          </a:p>
+          <a:p>
+            <a:pPr algn="ctr"/>
+            <a:r>
+              <a:rPr lang="en-US" sz="1600" dirty="0">
+                <a:ea typeface="+mn-lt"/>
+                <a:cs typeface="+mn-lt"/>
+              </a:rPr>
+              <a:t>  -Version 1.0.0 `</a:t>
+            </a:r>
+            <a:endParaRPr lang="en-US" sz="1600">
+              <a:cs typeface="Calibri"/>
+            </a:endParaRPr>
+          </a:p>
+          <a:p>
+            <a:pPr algn="ctr"/>
+            <a:r>
+              <a:rPr lang="en-US" sz="1600" dirty="0">
+                <a:ea typeface="+mn-lt"/>
+                <a:cs typeface="+mn-lt"/>
+              </a:rPr>
+              <a:t>  -Verbose</a:t>
+            </a:r>
+            <a:endParaRPr lang="en-US" sz="1600" dirty="0"/>
+          </a:p>
+        </p:txBody>
+      </p:sp>
+      <p:sp>
+        <p:nvSpPr>
+          <p:cNvPr id="7" name="TextBox 6">
+            <a:extLst>
+              <a:ext uri="{FF2B5EF4-FFF2-40B4-BE49-F238E27FC236}">
+                <a16:creationId xmlns:a16="http://schemas.microsoft.com/office/drawing/2014/main" id="{2630C648-0E2D-481B-9DAB-244B05EED39A}"/>
+              </a:ext>
+            </a:extLst>
+          </p:cNvPr>
+          <p:cNvSpPr txBox="1"/>
+          <p:nvPr/>
+        </p:nvSpPr>
+        <p:spPr>
+          <a:xfrm>
+            <a:off x="39832" y="2628900"/>
+            <a:ext cx="800100" cy="369332"/>
+          </a:xfrm>
+          <a:prstGeom prst="rect">
+            <a:avLst/>
+          </a:prstGeom>
+          <a:noFill/>
+        </p:spPr>
+        <p:txBody>
+          <a:bodyPr rot="0" spcFirstLastPara="0" vertOverflow="overflow" horzOverflow="overflow" vert="horz" wrap="square" lIns="91440" tIns="45720" rIns="91440" bIns="45720" numCol="1" spcCol="0" rtlCol="0" fromWordArt="0" anchor="t" anchorCtr="0" forceAA="0" compatLnSpc="1">
+            <a:prstTxWarp prst="textNoShape">
+              <a:avLst/>
+            </a:prstTxWarp>
+            <a:spAutoFit/>
+          </a:bodyPr>
+          <a:lstStyle/>
+          <a:p>
+            <a:r>
+              <a:rPr lang="en-US" dirty="0"/>
+              <a:t>Step 7</a:t>
+            </a:r>
+          </a:p>
+        </p:txBody>
+      </p:sp>
+    </p:spTree>
+    <p:extLst>
+      <p:ext uri="{BB962C8B-B14F-4D97-AF65-F5344CB8AC3E}">
+        <p14:creationId xmlns:p14="http://schemas.microsoft.com/office/powerpoint/2010/main" val="1926937404"/>
+      </p:ext>
+    </p:extLst>
+  </p:cSld>
+  <p:clrMapOvr>
+    <a:masterClrMapping/>
+  </p:clrMapOvr>
+</p:sld>
+</file>
+
+<file path=ppt/slides/slide6.xml><?xml version="1.0" encoding="utf-8"?>
 <p:sld xmlns:a="http://schemas.openxmlformats.org/drawingml/2006/main" xmlns:r="http://schemas.openxmlformats.org/officeDocument/2006/relationships" xmlns:p="http://schemas.openxmlformats.org/presentationml/2006/main">
   <p:cSld>
     <p:bg>
